--- a/Front-end/6-7-8. Thực hành - Layout Website - Responsive/Responsive.pptx
+++ b/Front-end/6-7-8. Thực hành - Layout Website - Responsive/Responsive.pptx
@@ -9,7 +9,8 @@
     <p:sldId id="257" r:id="rId3"/>
     <p:sldId id="259" r:id="rId4"/>
     <p:sldId id="258" r:id="rId5"/>
-    <p:sldId id="260" r:id="rId6"/>
+    <p:sldId id="261" r:id="rId6"/>
+    <p:sldId id="260" r:id="rId7"/>
   </p:sldIdLst>
   <p:sldSz cx="9144000" cy="6858000" type="screen4x3"/>
   <p:notesSz cx="6858000" cy="9144000"/>
@@ -293,7 +294,7 @@
             <a:fld id="{1D8BD707-D9CF-40AE-B4C6-C98DA3205C09}" type="datetimeFigureOut">
               <a:rPr lang="en-US" smtClean="0"/>
               <a:pPr/>
-              <a:t>5/24/2018</a:t>
+              <a:t>5/27/2018</a:t>
             </a:fld>
             <a:endParaRPr lang="en-US"/>
           </a:p>
@@ -460,7 +461,7 @@
             <a:fld id="{1D8BD707-D9CF-40AE-B4C6-C98DA3205C09}" type="datetimeFigureOut">
               <a:rPr lang="en-US" smtClean="0"/>
               <a:pPr/>
-              <a:t>5/24/2018</a:t>
+              <a:t>5/27/2018</a:t>
             </a:fld>
             <a:endParaRPr lang="en-US"/>
           </a:p>
@@ -637,7 +638,7 @@
             <a:fld id="{1D8BD707-D9CF-40AE-B4C6-C98DA3205C09}" type="datetimeFigureOut">
               <a:rPr lang="en-US" smtClean="0"/>
               <a:pPr/>
-              <a:t>5/24/2018</a:t>
+              <a:t>5/27/2018</a:t>
             </a:fld>
             <a:endParaRPr lang="en-US"/>
           </a:p>
@@ -804,7 +805,7 @@
             <a:fld id="{1D8BD707-D9CF-40AE-B4C6-C98DA3205C09}" type="datetimeFigureOut">
               <a:rPr lang="en-US" smtClean="0"/>
               <a:pPr/>
-              <a:t>5/24/2018</a:t>
+              <a:t>5/27/2018</a:t>
             </a:fld>
             <a:endParaRPr lang="en-US"/>
           </a:p>
@@ -1047,7 +1048,7 @@
             <a:fld id="{1D8BD707-D9CF-40AE-B4C6-C98DA3205C09}" type="datetimeFigureOut">
               <a:rPr lang="en-US" smtClean="0"/>
               <a:pPr/>
-              <a:t>5/24/2018</a:t>
+              <a:t>5/27/2018</a:t>
             </a:fld>
             <a:endParaRPr lang="en-US"/>
           </a:p>
@@ -1332,7 +1333,7 @@
             <a:fld id="{1D8BD707-D9CF-40AE-B4C6-C98DA3205C09}" type="datetimeFigureOut">
               <a:rPr lang="en-US" smtClean="0"/>
               <a:pPr/>
-              <a:t>5/24/2018</a:t>
+              <a:t>5/27/2018</a:t>
             </a:fld>
             <a:endParaRPr lang="en-US"/>
           </a:p>
@@ -1751,7 +1752,7 @@
             <a:fld id="{1D8BD707-D9CF-40AE-B4C6-C98DA3205C09}" type="datetimeFigureOut">
               <a:rPr lang="en-US" smtClean="0"/>
               <a:pPr/>
-              <a:t>5/24/2018</a:t>
+              <a:t>5/27/2018</a:t>
             </a:fld>
             <a:endParaRPr lang="en-US"/>
           </a:p>
@@ -1866,7 +1867,7 @@
             <a:fld id="{1D8BD707-D9CF-40AE-B4C6-C98DA3205C09}" type="datetimeFigureOut">
               <a:rPr lang="en-US" smtClean="0"/>
               <a:pPr/>
-              <a:t>5/24/2018</a:t>
+              <a:t>5/27/2018</a:t>
             </a:fld>
             <a:endParaRPr lang="en-US"/>
           </a:p>
@@ -1958,7 +1959,7 @@
             <a:fld id="{1D8BD707-D9CF-40AE-B4C6-C98DA3205C09}" type="datetimeFigureOut">
               <a:rPr lang="en-US" smtClean="0"/>
               <a:pPr/>
-              <a:t>5/24/2018</a:t>
+              <a:t>5/27/2018</a:t>
             </a:fld>
             <a:endParaRPr lang="en-US"/>
           </a:p>
@@ -2232,7 +2233,7 @@
             <a:fld id="{1D8BD707-D9CF-40AE-B4C6-C98DA3205C09}" type="datetimeFigureOut">
               <a:rPr lang="en-US" smtClean="0"/>
               <a:pPr/>
-              <a:t>5/24/2018</a:t>
+              <a:t>5/27/2018</a:t>
             </a:fld>
             <a:endParaRPr lang="en-US"/>
           </a:p>
@@ -2482,7 +2483,7 @@
             <a:fld id="{1D8BD707-D9CF-40AE-B4C6-C98DA3205C09}" type="datetimeFigureOut">
               <a:rPr lang="en-US" smtClean="0"/>
               <a:pPr/>
-              <a:t>5/24/2018</a:t>
+              <a:t>5/27/2018</a:t>
             </a:fld>
             <a:endParaRPr lang="en-US"/>
           </a:p>
@@ -2692,7 +2693,7 @@
             <a:fld id="{1D8BD707-D9CF-40AE-B4C6-C98DA3205C09}" type="datetimeFigureOut">
               <a:rPr lang="en-US" smtClean="0"/>
               <a:pPr/>
-              <a:t>5/24/2018</a:t>
+              <a:t>5/27/2018</a:t>
             </a:fld>
             <a:endParaRPr lang="en-US"/>
           </a:p>
@@ -3080,7 +3081,15 @@
           <a:p>
             <a:r>
               <a:rPr lang="en-US" dirty="0" smtClean="0"/>
-              <a:t>Responsive</a:t>
+              <a:t>Layout </a:t>
+            </a:r>
+            <a:r>
+              <a:rPr lang="en-US" dirty="0"/>
+              <a:t>W</a:t>
+            </a:r>
+            <a:r>
+              <a:rPr lang="en-US" dirty="0" smtClean="0"/>
+              <a:t>ebsite</a:t>
             </a:r>
             <a:endParaRPr lang="en-US" dirty="0"/>
           </a:p>
@@ -3214,7 +3223,9 @@
         </p:nvSpPr>
         <p:spPr/>
         <p:txBody>
-          <a:bodyPr/>
+          <a:bodyPr>
+            <a:normAutofit/>
+          </a:bodyPr>
           <a:lstStyle/>
           <a:p>
             <a:r>
@@ -3227,7 +3238,58 @@
             </a:r>
             <a:r>
               <a:rPr lang="en-US" dirty="0" err="1" smtClean="0"/>
-              <a:t>về</a:t>
+              <a:t>cách</a:t>
+            </a:r>
+            <a:r>
+              <a:rPr lang="en-US" dirty="0" smtClean="0"/>
+              <a:t> layout website</a:t>
+            </a:r>
+          </a:p>
+          <a:p>
+            <a:pPr lvl="1"/>
+            <a:r>
+              <a:rPr lang="en-US" dirty="0"/>
+              <a:t>F</a:t>
+            </a:r>
+            <a:r>
+              <a:rPr lang="en-US" dirty="0" smtClean="0"/>
+              <a:t>loat, clear, width </a:t>
+            </a:r>
+            <a:r>
+              <a:rPr lang="en-US" dirty="0" err="1" smtClean="0"/>
+              <a:t>theo</a:t>
+            </a:r>
+            <a:r>
+              <a:rPr lang="en-US" dirty="0" smtClean="0"/>
+              <a:t> % </a:t>
+            </a:r>
+            <a:r>
+              <a:rPr lang="en-US" dirty="0" err="1" smtClean="0"/>
+              <a:t>để</a:t>
+            </a:r>
+            <a:r>
+              <a:rPr lang="en-US" dirty="0" smtClean="0"/>
+              <a:t> </a:t>
+            </a:r>
+            <a:r>
+              <a:rPr lang="en-US" dirty="0" err="1" smtClean="0"/>
+              <a:t>tạo</a:t>
+            </a:r>
+            <a:r>
+              <a:rPr lang="en-US" dirty="0" smtClean="0"/>
+              <a:t> layout</a:t>
+            </a:r>
+            <a:endParaRPr lang="en-US" dirty="0" smtClean="0"/>
+          </a:p>
+          <a:p>
+            <a:pPr lvl="1"/>
+            <a:r>
+              <a:rPr lang="en-US" dirty="0" smtClean="0"/>
+              <a:t>@media </a:t>
+            </a:r>
+            <a:r>
+              <a:rPr lang="en-US" dirty="0" err="1" smtClean="0"/>
+              <a:t>để</a:t>
             </a:r>
             <a:r>
               <a:rPr lang="en-US" dirty="0" smtClean="0"/>
@@ -3237,6 +3299,48 @@
           <a:p>
             <a:pPr lvl="1"/>
             <a:r>
+              <a:rPr lang="en-US" dirty="0" err="1"/>
+              <a:t>T</a:t>
+            </a:r>
+            <a:r>
+              <a:rPr lang="en-US" dirty="0" err="1" smtClean="0"/>
+              <a:t>hành</a:t>
+            </a:r>
+            <a:r>
+              <a:rPr lang="en-US" dirty="0" smtClean="0"/>
+              <a:t> </a:t>
+            </a:r>
+            <a:r>
+              <a:rPr lang="en-US" dirty="0" err="1" smtClean="0"/>
+              <a:t>phần</a:t>
+            </a:r>
+            <a:r>
+              <a:rPr lang="en-US" dirty="0" smtClean="0"/>
+              <a:t>: header,  footer, content, navigator</a:t>
+            </a:r>
+            <a:endParaRPr lang="en-US" dirty="0" smtClean="0"/>
+          </a:p>
+          <a:p>
+            <a:r>
+              <a:rPr lang="en-US" dirty="0" err="1" smtClean="0"/>
+              <a:t>Hiểu</a:t>
+            </a:r>
+            <a:r>
+              <a:rPr lang="en-US" dirty="0" smtClean="0"/>
+              <a:t> </a:t>
+            </a:r>
+            <a:r>
+              <a:rPr lang="en-US" dirty="0" err="1" smtClean="0"/>
+              <a:t>về</a:t>
+            </a:r>
+            <a:r>
+              <a:rPr lang="en-US" dirty="0" smtClean="0"/>
+              <a:t> responsive</a:t>
+            </a:r>
+          </a:p>
+          <a:p>
+            <a:pPr lvl="1"/>
+            <a:r>
               <a:rPr lang="en-US" dirty="0" err="1" smtClean="0"/>
               <a:t>Khái</a:t>
             </a:r>
@@ -3254,7 +3358,7 @@
             <a:pPr lvl="1"/>
             <a:r>
               <a:rPr lang="en-US" dirty="0" err="1" smtClean="0"/>
-              <a:t>Cách</a:t>
+              <a:t>Cốt</a:t>
             </a:r>
             <a:r>
               <a:rPr lang="en-US" dirty="0" smtClean="0"/>
@@ -3262,7 +3366,15 @@
             </a:r>
             <a:r>
               <a:rPr lang="en-US" dirty="0" err="1" smtClean="0"/>
-              <a:t>sử</a:t>
+              <a:t>lõi</a:t>
+            </a:r>
+            <a:r>
+              <a:rPr lang="en-US" dirty="0" smtClean="0"/>
+              <a:t>: </a:t>
+            </a:r>
+            <a:r>
+              <a:rPr lang="en-US" dirty="0" err="1" smtClean="0"/>
+              <a:t>Sử</a:t>
             </a:r>
             <a:r>
               <a:rPr lang="en-US" dirty="0" smtClean="0"/>
@@ -3270,73 +3382,20 @@
             </a:r>
             <a:r>
               <a:rPr lang="en-US" dirty="0" err="1" smtClean="0"/>
-              <a:t>tạo</a:t>
+              <a:t>dụng</a:t>
+            </a:r>
+            <a:r>
+              <a:rPr lang="en-US" dirty="0" smtClean="0"/>
+              <a:t> @media, </a:t>
             </a:r>
             <a:endParaRPr lang="en-US" dirty="0" smtClean="0"/>
-          </a:p>
-          <a:p>
-            <a:pPr lvl="1"/>
-            <a:r>
-              <a:rPr lang="en-US" dirty="0" smtClean="0"/>
-              <a:t>@media</a:t>
-            </a:r>
           </a:p>
           <a:p>
             <a:r>
               <a:rPr lang="en-US" dirty="0" smtClean="0"/>
               <a:t>Demo</a:t>
             </a:r>
-          </a:p>
-          <a:p>
-            <a:pPr lvl="1"/>
-            <a:r>
-              <a:rPr lang="en-US" dirty="0" err="1" smtClean="0"/>
-              <a:t>Các</a:t>
-            </a:r>
-            <a:r>
-              <a:rPr lang="en-US" dirty="0" smtClean="0"/>
-              <a:t> </a:t>
-            </a:r>
-            <a:r>
-              <a:rPr lang="en-US" dirty="0" err="1" smtClean="0"/>
-              <a:t>thành</a:t>
-            </a:r>
-            <a:r>
-              <a:rPr lang="en-US" dirty="0" smtClean="0"/>
-              <a:t> </a:t>
-            </a:r>
-            <a:r>
-              <a:rPr lang="en-US" dirty="0" err="1" smtClean="0"/>
-              <a:t>phần</a:t>
-            </a:r>
-            <a:r>
-              <a:rPr lang="en-US" dirty="0" smtClean="0"/>
-              <a:t> </a:t>
-            </a:r>
-            <a:r>
-              <a:rPr lang="en-US" dirty="0" err="1" smtClean="0"/>
-              <a:t>của</a:t>
-            </a:r>
-            <a:r>
-              <a:rPr lang="en-US" dirty="0" smtClean="0"/>
-              <a:t> website</a:t>
-            </a:r>
-          </a:p>
-          <a:p>
-            <a:pPr lvl="1"/>
-            <a:r>
-              <a:rPr lang="en-US" dirty="0" err="1" smtClean="0"/>
-              <a:t>Các</a:t>
-            </a:r>
-            <a:r>
-              <a:rPr lang="en-US" dirty="0" smtClean="0"/>
-              <a:t> </a:t>
-            </a:r>
-            <a:r>
-              <a:rPr lang="en-US" dirty="0" err="1" smtClean="0"/>
-              <a:t>trang</a:t>
-            </a:r>
-            <a:endParaRPr lang="en-US" dirty="0"/>
+            <a:endParaRPr lang="en-US" dirty="0" smtClean="0"/>
           </a:p>
         </p:txBody>
       </p:sp>
@@ -3386,16 +3445,8 @@
           <a:lstStyle/>
           <a:p>
             <a:r>
-              <a:rPr lang="en-US" dirty="0" err="1" smtClean="0"/>
-              <a:t>Khái</a:t>
-            </a:r>
-            <a:r>
               <a:rPr lang="en-US" dirty="0" smtClean="0"/>
-              <a:t> </a:t>
-            </a:r>
-            <a:r>
-              <a:rPr lang="en-US" dirty="0" err="1" smtClean="0"/>
-              <a:t>niệm</a:t>
+              <a:t>Responsive</a:t>
             </a:r>
             <a:endParaRPr lang="en-US" dirty="0"/>
           </a:p>
@@ -3413,8 +3464,8 @@
         </p:nvSpPr>
         <p:spPr>
           <a:xfrm>
-            <a:off x="457200" y="1828800"/>
-            <a:ext cx="8382000" cy="1828799"/>
+            <a:off x="457200" y="1828801"/>
+            <a:ext cx="8382000" cy="914400"/>
           </a:xfrm>
         </p:spPr>
         <p:txBody>
@@ -3427,98 +3478,98 @@
               <a:buNone/>
             </a:pPr>
             <a:r>
-              <a:rPr lang="en-US" sz="3600" dirty="0" err="1" smtClean="0"/>
+              <a:rPr lang="en-US" sz="2800" dirty="0" err="1" smtClean="0"/>
               <a:t>Hiển</a:t>
             </a:r>
             <a:r>
-              <a:rPr lang="en-US" sz="3600" dirty="0" smtClean="0"/>
+              <a:rPr lang="en-US" sz="2800" dirty="0" smtClean="0"/>
               <a:t> </a:t>
             </a:r>
             <a:r>
-              <a:rPr lang="en-US" sz="3600" dirty="0" err="1" smtClean="0"/>
+              <a:rPr lang="en-US" sz="2800" dirty="0" err="1" smtClean="0"/>
               <a:t>thị</a:t>
             </a:r>
             <a:r>
-              <a:rPr lang="en-US" sz="3600" dirty="0" smtClean="0"/>
+              <a:rPr lang="en-US" sz="2800" dirty="0" smtClean="0"/>
               <a:t> </a:t>
             </a:r>
             <a:r>
-              <a:rPr lang="en-US" sz="3600" dirty="0" err="1" smtClean="0"/>
+              <a:rPr lang="en-US" sz="2800" dirty="0" err="1" smtClean="0"/>
               <a:t>trang</a:t>
             </a:r>
             <a:r>
-              <a:rPr lang="en-US" sz="3600" dirty="0" smtClean="0"/>
+              <a:rPr lang="en-US" sz="2800" dirty="0" smtClean="0"/>
               <a:t> web </a:t>
             </a:r>
             <a:r>
-              <a:rPr lang="en-US" sz="3600" dirty="0" err="1" smtClean="0"/>
+              <a:rPr lang="en-US" sz="2800" dirty="0" err="1" smtClean="0"/>
               <a:t>phù</a:t>
             </a:r>
             <a:r>
-              <a:rPr lang="en-US" sz="3600" dirty="0" smtClean="0"/>
+              <a:rPr lang="en-US" sz="2800" dirty="0" smtClean="0"/>
               <a:t> </a:t>
             </a:r>
             <a:r>
-              <a:rPr lang="en-US" sz="3600" dirty="0" err="1" smtClean="0"/>
+              <a:rPr lang="en-US" sz="2800" dirty="0" err="1" smtClean="0"/>
               <a:t>hợp</a:t>
             </a:r>
             <a:r>
-              <a:rPr lang="en-US" sz="3600" dirty="0" smtClean="0"/>
+              <a:rPr lang="en-US" sz="2800" dirty="0" smtClean="0"/>
               <a:t> </a:t>
             </a:r>
             <a:r>
-              <a:rPr lang="en-US" sz="3600" dirty="0" err="1" smtClean="0"/>
+              <a:rPr lang="en-US" sz="2800" dirty="0" err="1" smtClean="0"/>
               <a:t>các</a:t>
             </a:r>
             <a:r>
-              <a:rPr lang="en-US" sz="3600" dirty="0" smtClean="0"/>
+              <a:rPr lang="en-US" sz="2800" dirty="0" smtClean="0"/>
               <a:t> </a:t>
             </a:r>
             <a:r>
-              <a:rPr lang="en-US" sz="3600" dirty="0" err="1" smtClean="0"/>
+              <a:rPr lang="en-US" sz="2800" dirty="0" err="1" smtClean="0"/>
               <a:t>thiết</a:t>
             </a:r>
             <a:r>
-              <a:rPr lang="en-US" sz="3600" dirty="0" smtClean="0"/>
+              <a:rPr lang="en-US" sz="2800" dirty="0" smtClean="0"/>
               <a:t> </a:t>
             </a:r>
             <a:r>
-              <a:rPr lang="en-US" sz="3600" dirty="0" err="1" smtClean="0"/>
+              <a:rPr lang="en-US" sz="2800" dirty="0" err="1" smtClean="0"/>
               <a:t>bị</a:t>
             </a:r>
             <a:r>
-              <a:rPr lang="en-US" sz="3600" dirty="0" smtClean="0"/>
+              <a:rPr lang="en-US" sz="2800" dirty="0" smtClean="0"/>
               <a:t> </a:t>
             </a:r>
             <a:r>
-              <a:rPr lang="en-US" sz="3600" dirty="0" err="1" smtClean="0"/>
+              <a:rPr lang="en-US" sz="2800" dirty="0" err="1" smtClean="0"/>
               <a:t>từ</a:t>
             </a:r>
             <a:r>
-              <a:rPr lang="en-US" sz="3600" dirty="0" smtClean="0"/>
+              <a:rPr lang="en-US" sz="2800" dirty="0" smtClean="0"/>
               <a:t> </a:t>
             </a:r>
             <a:r>
-              <a:rPr lang="en-US" sz="3600" dirty="0" err="1" smtClean="0"/>
+              <a:rPr lang="en-US" sz="2800" dirty="0" err="1" smtClean="0"/>
               <a:t>nhỏ</a:t>
             </a:r>
             <a:r>
-              <a:rPr lang="en-US" sz="3600" dirty="0" smtClean="0"/>
+              <a:rPr lang="en-US" sz="2800" dirty="0" smtClean="0"/>
               <a:t> </a:t>
             </a:r>
             <a:r>
-              <a:rPr lang="en-US" sz="3600" dirty="0" err="1" smtClean="0"/>
+              <a:rPr lang="en-US" sz="2800" dirty="0" err="1" smtClean="0"/>
               <a:t>tới</a:t>
             </a:r>
             <a:r>
-              <a:rPr lang="en-US" sz="3600" dirty="0" smtClean="0"/>
+              <a:rPr lang="en-US" sz="2800" dirty="0" smtClean="0"/>
               <a:t> </a:t>
             </a:r>
             <a:r>
-              <a:rPr lang="en-US" sz="3600" dirty="0" err="1" smtClean="0"/>
+              <a:rPr lang="en-US" sz="2800" dirty="0" err="1" smtClean="0"/>
               <a:t>lớn</a:t>
             </a:r>
-            <a:endParaRPr lang="en-US" sz="3600" dirty="0"/>
+            <a:endParaRPr lang="en-US" sz="2800" dirty="0"/>
           </a:p>
         </p:txBody>
       </p:sp>
@@ -3545,7 +3596,7 @@
         </p:blipFill>
         <p:spPr bwMode="auto">
           <a:xfrm>
-            <a:off x="1752600" y="3276600"/>
+            <a:off x="1676400" y="2819400"/>
             <a:ext cx="5490454" cy="3124200"/>
           </a:xfrm>
           <a:prstGeom prst="rect">
@@ -3609,20 +3660,8 @@
           <a:lstStyle/>
           <a:p>
             <a:r>
-              <a:rPr lang="en-US" dirty="0" err="1" smtClean="0"/>
-              <a:t>Cách</a:t>
-            </a:r>
-            <a:r>
               <a:rPr lang="en-US" dirty="0" smtClean="0"/>
-              <a:t> </a:t>
-            </a:r>
-            <a:r>
-              <a:rPr lang="en-US" dirty="0" err="1" smtClean="0"/>
-              <a:t>làm</a:t>
-            </a:r>
-            <a:r>
-              <a:rPr lang="en-US" dirty="0" smtClean="0"/>
-              <a:t> Responsive</a:t>
+              <a:t>Layout Website</a:t>
             </a:r>
             <a:endParaRPr lang="en-US" dirty="0"/>
           </a:p>
@@ -3745,6 +3784,98 @@
 </file>
 
 <file path=ppt/slides/slide5.xml><?xml version="1.0" encoding="utf-8"?>
+<p:sld xmlns:a="http://schemas.openxmlformats.org/drawingml/2006/main" xmlns:r="http://schemas.openxmlformats.org/officeDocument/2006/relationships" xmlns:p="http://schemas.openxmlformats.org/presentationml/2006/main">
+  <p:cSld>
+    <p:spTree>
+      <p:nvGrpSpPr>
+        <p:cNvPr id="1" name=""/>
+        <p:cNvGrpSpPr/>
+        <p:nvPr/>
+      </p:nvGrpSpPr>
+      <p:grpSpPr>
+        <a:xfrm>
+          <a:off x="0" y="0"/>
+          <a:ext cx="0" cy="0"/>
+          <a:chOff x="0" y="0"/>
+          <a:chExt cx="0" cy="0"/>
+        </a:xfrm>
+      </p:grpSpPr>
+      <p:sp>
+        <p:nvSpPr>
+          <p:cNvPr id="2" name="Title 1"/>
+          <p:cNvSpPr>
+            <a:spLocks noGrp="1"/>
+          </p:cNvSpPr>
+          <p:nvPr>
+            <p:ph type="title"/>
+          </p:nvPr>
+        </p:nvSpPr>
+        <p:spPr/>
+        <p:txBody>
+          <a:bodyPr/>
+          <a:lstStyle/>
+          <a:p>
+            <a:r>
+              <a:rPr lang="en-US" dirty="0" smtClean="0"/>
+              <a:t>Responsive</a:t>
+            </a:r>
+            <a:endParaRPr lang="en-US" dirty="0"/>
+          </a:p>
+        </p:txBody>
+      </p:sp>
+      <p:sp>
+        <p:nvSpPr>
+          <p:cNvPr id="3" name="Content Placeholder 2"/>
+          <p:cNvSpPr>
+            <a:spLocks noGrp="1"/>
+          </p:cNvSpPr>
+          <p:nvPr>
+            <p:ph idx="1"/>
+          </p:nvPr>
+        </p:nvSpPr>
+        <p:spPr/>
+        <p:txBody>
+          <a:bodyPr/>
+          <a:lstStyle/>
+          <a:p>
+            <a:r>
+              <a:rPr lang="en-US" dirty="0" smtClean="0"/>
+              <a:t>Media Query</a:t>
+            </a:r>
+          </a:p>
+          <a:p>
+            <a:pPr lvl="1"/>
+            <a:r>
+              <a:rPr lang="en-US" dirty="0" smtClean="0"/>
+              <a:t>PC first</a:t>
+            </a:r>
+          </a:p>
+          <a:p>
+            <a:pPr lvl="1"/>
+            <a:r>
+              <a:rPr lang="en-US" smtClean="0"/>
+              <a:t>Mobile first</a:t>
+            </a:r>
+          </a:p>
+          <a:p>
+            <a:endParaRPr lang="en-US" dirty="0"/>
+          </a:p>
+        </p:txBody>
+      </p:sp>
+    </p:spTree>
+    <p:extLst>
+      <p:ext uri="{BB962C8B-B14F-4D97-AF65-F5344CB8AC3E}">
+        <p14:creationId xmlns:p14="http://schemas.microsoft.com/office/powerpoint/2010/main" val="1280615216"/>
+      </p:ext>
+    </p:extLst>
+  </p:cSld>
+  <p:clrMapOvr>
+    <a:masterClrMapping/>
+  </p:clrMapOvr>
+</p:sld>
+</file>
+
+<file path=ppt/slides/slide6.xml><?xml version="1.0" encoding="utf-8"?>
 <p:sld xmlns:a="http://schemas.openxmlformats.org/drawingml/2006/main" xmlns:r="http://schemas.openxmlformats.org/officeDocument/2006/relationships" xmlns:p="http://schemas.openxmlformats.org/presentationml/2006/main">
   <p:cSld>
     <p:spTree>
